--- a/课程ppt/WP SDK开发指南4.pptx
+++ b/课程ppt/WP SDK开发指南4.pptx
@@ -5,7 +5,7 @@
     <p:sldMasterId id="2147483648" r:id="rId1"/>
   </p:sldMasterIdLst>
   <p:notesMasterIdLst>
-    <p:notesMasterId r:id="rId9"/>
+    <p:notesMasterId r:id="rId10"/>
   </p:notesMasterIdLst>
   <p:sldIdLst>
     <p:sldId id="256" r:id="rId2"/>
@@ -14,7 +14,8 @@
     <p:sldId id="348" r:id="rId5"/>
     <p:sldId id="347" r:id="rId6"/>
     <p:sldId id="261" r:id="rId7"/>
-    <p:sldId id="259" r:id="rId8"/>
+    <p:sldId id="349" r:id="rId8"/>
+    <p:sldId id="259" r:id="rId9"/>
   </p:sldIdLst>
   <p:sldSz cx="9144000" cy="6858000" type="screen4x3"/>
   <p:notesSz cx="6858000" cy="9144000"/>
@@ -253,7 +254,7 @@
               <a:pPr>
                 <a:defRPr/>
               </a:pPr>
-              <a:t>2014/10/28</a:t>
+              <a:t>2014/10/30</a:t>
             </a:fld>
             <a:endParaRPr lang="zh-CN" altLang="en-US"/>
           </a:p>
@@ -1354,7 +1355,7 @@
               <a:pPr>
                 <a:defRPr/>
               </a:pPr>
-              <a:t>2014/10/28</a:t>
+              <a:t>2014/10/30</a:t>
             </a:fld>
             <a:endParaRPr lang="zh-CN" altLang="en-US"/>
           </a:p>
@@ -1653,7 +1654,7 @@
               <a:pPr>
                 <a:defRPr/>
               </a:pPr>
-              <a:t>2014/10/28</a:t>
+              <a:t>2014/10/30</a:t>
             </a:fld>
             <a:endParaRPr lang="zh-CN" altLang="en-US"/>
           </a:p>
@@ -1949,7 +1950,7 @@
               <a:pPr>
                 <a:defRPr/>
               </a:pPr>
-              <a:t>2014/10/28</a:t>
+              <a:t>2014/10/30</a:t>
             </a:fld>
             <a:endParaRPr lang="zh-CN" altLang="en-US"/>
           </a:p>
@@ -2161,7 +2162,7 @@
               <a:pPr>
                 <a:defRPr/>
               </a:pPr>
-              <a:t>2014/10/28</a:t>
+              <a:t>2014/10/30</a:t>
             </a:fld>
             <a:endParaRPr lang="zh-CN" altLang="en-US"/>
           </a:p>
@@ -2454,7 +2455,7 @@
               <a:pPr>
                 <a:defRPr/>
               </a:pPr>
-              <a:t>2014/10/28</a:t>
+              <a:t>2014/10/30</a:t>
             </a:fld>
             <a:endParaRPr lang="zh-CN" altLang="en-US"/>
           </a:p>
@@ -3018,7 +3019,7 @@
         <p:spPr>
           <a:xfrm>
             <a:off x="2682032" y="5229200"/>
-            <a:ext cx="3779936" cy="369332"/>
+            <a:ext cx="3779936" cy="523220"/>
           </a:xfrm>
           <a:prstGeom prst="rect">
             <a:avLst/>
@@ -3033,10 +3034,22 @@
           <a:p>
             <a:pPr algn="ctr"/>
             <a:r>
-              <a:rPr lang="zh-CN" altLang="en-US" dirty="0" smtClean="0"/>
+              <a:rPr lang="zh-CN" altLang="en-US" sz="2800" dirty="0" smtClean="0">
+                <a:solidFill>
+                  <a:schemeClr val="accent1"/>
+                </a:solidFill>
+                <a:latin typeface="微软雅黑" panose="020B0503020204020204" pitchFamily="34" charset="-122"/>
+                <a:ea typeface="微软雅黑" panose="020B0503020204020204" pitchFamily="34" charset="-122"/>
+              </a:rPr>
               <a:t>路径规划</a:t>
             </a:r>
-            <a:endParaRPr lang="zh-CN" altLang="en-US" dirty="0"/>
+            <a:endParaRPr lang="zh-CN" altLang="en-US" sz="2800" dirty="0">
+              <a:solidFill>
+                <a:schemeClr val="accent1"/>
+              </a:solidFill>
+              <a:latin typeface="微软雅黑" panose="020B0503020204020204" pitchFamily="34" charset="-122"/>
+              <a:ea typeface="微软雅黑" panose="020B0503020204020204" pitchFamily="34" charset="-122"/>
+            </a:endParaRPr>
           </a:p>
         </p:txBody>
       </p:sp>
@@ -3189,7 +3202,7 @@
         </p:blipFill>
         <p:spPr>
           <a:xfrm>
-            <a:off x="679202" y="1623371"/>
+            <a:off x="755576" y="1623371"/>
             <a:ext cx="2305050" cy="3552825"/>
           </a:xfrm>
           <a:prstGeom prst="rect">
@@ -3213,7 +3226,7 @@
         </p:blipFill>
         <p:spPr>
           <a:xfrm>
-            <a:off x="3491880" y="1628800"/>
+            <a:off x="6012160" y="1623371"/>
             <a:ext cx="2295525" cy="3547396"/>
           </a:xfrm>
           <a:prstGeom prst="rect">
@@ -3221,30 +3234,6 @@
           </a:prstGeom>
         </p:spPr>
       </p:pic>
-      <p:pic>
-        <p:nvPicPr>
-          <p:cNvPr id="4" name="图片 3"/>
-          <p:cNvPicPr>
-            <a:picLocks noChangeAspect="1"/>
-          </p:cNvPicPr>
-          <p:nvPr/>
-        </p:nvPicPr>
-        <p:blipFill>
-          <a:blip r:embed="rId5"/>
-          <a:stretch>
-            <a:fillRect/>
-          </a:stretch>
-        </p:blipFill>
-        <p:spPr>
-          <a:xfrm>
-            <a:off x="6295033" y="1623370"/>
-            <a:ext cx="2219325" cy="3552825"/>
-          </a:xfrm>
-          <a:prstGeom prst="rect">
-            <a:avLst/>
-          </a:prstGeom>
-        </p:spPr>
-      </p:pic>
       <p:sp>
         <p:nvSpPr>
           <p:cNvPr id="13" name="标题 2"/>
@@ -3273,6 +3262,113 @@
           </a:p>
         </p:txBody>
       </p:sp>
+      <p:sp>
+        <p:nvSpPr>
+          <p:cNvPr id="5" name="文本框 4"/>
+          <p:cNvSpPr txBox="1"/>
+          <p:nvPr/>
+        </p:nvSpPr>
+        <p:spPr>
+          <a:xfrm>
+            <a:off x="3635896" y="980728"/>
+            <a:ext cx="1872208" cy="369332"/>
+          </a:xfrm>
+          <a:prstGeom prst="rect">
+            <a:avLst/>
+          </a:prstGeom>
+          <a:noFill/>
+        </p:spPr>
+        <p:txBody>
+          <a:bodyPr wrap="square" rtlCol="0" anchor="ctr">
+            <a:spAutoFit/>
+          </a:bodyPr>
+          <a:lstStyle/>
+          <a:p>
+            <a:pPr algn="ctr"/>
+            <a:r>
+              <a:rPr lang="zh-CN" altLang="en-US" dirty="0" smtClean="0">
+                <a:latin typeface="微软雅黑" panose="020B0503020204020204" pitchFamily="34" charset="-122"/>
+                <a:ea typeface="微软雅黑" panose="020B0503020204020204" pitchFamily="34" charset="-122"/>
+              </a:rPr>
+              <a:t>起点</a:t>
+            </a:r>
+            <a:endParaRPr lang="zh-CN" altLang="en-US" dirty="0">
+              <a:latin typeface="微软雅黑" panose="020B0503020204020204" pitchFamily="34" charset="-122"/>
+              <a:ea typeface="微软雅黑" panose="020B0503020204020204" pitchFamily="34" charset="-122"/>
+            </a:endParaRPr>
+          </a:p>
+        </p:txBody>
+      </p:sp>
+      <p:sp>
+        <p:nvSpPr>
+          <p:cNvPr id="8" name="文本框 7"/>
+          <p:cNvSpPr txBox="1"/>
+          <p:nvPr/>
+        </p:nvSpPr>
+        <p:spPr>
+          <a:xfrm>
+            <a:off x="3635896" y="5301208"/>
+            <a:ext cx="1872208" cy="369332"/>
+          </a:xfrm>
+          <a:prstGeom prst="rect">
+            <a:avLst/>
+          </a:prstGeom>
+          <a:noFill/>
+        </p:spPr>
+        <p:txBody>
+          <a:bodyPr wrap="square" rtlCol="0">
+            <a:spAutoFit/>
+          </a:bodyPr>
+          <a:lstStyle/>
+          <a:p>
+            <a:pPr algn="ctr"/>
+            <a:r>
+              <a:rPr lang="zh-CN" altLang="en-US" dirty="0" smtClean="0">
+                <a:latin typeface="微软雅黑" panose="020B0503020204020204" pitchFamily="34" charset="-122"/>
+                <a:ea typeface="微软雅黑" panose="020B0503020204020204" pitchFamily="34" charset="-122"/>
+              </a:rPr>
+              <a:t>终点</a:t>
+            </a:r>
+            <a:endParaRPr lang="zh-CN" altLang="en-US" dirty="0">
+              <a:latin typeface="微软雅黑" panose="020B0503020204020204" pitchFamily="34" charset="-122"/>
+              <a:ea typeface="微软雅黑" panose="020B0503020204020204" pitchFamily="34" charset="-122"/>
+            </a:endParaRPr>
+          </a:p>
+        </p:txBody>
+      </p:sp>
+      <p:cxnSp>
+        <p:nvCxnSpPr>
+          <p:cNvPr id="9" name="直接箭头连接符 8"/>
+          <p:cNvCxnSpPr/>
+          <p:nvPr/>
+        </p:nvCxnSpPr>
+        <p:spPr>
+          <a:xfrm>
+            <a:off x="4572000" y="1623371"/>
+            <a:ext cx="0" cy="3552825"/>
+          </a:xfrm>
+          <a:prstGeom prst="straightConnector1">
+            <a:avLst/>
+          </a:prstGeom>
+          <a:ln>
+            <a:tailEnd type="triangle"/>
+          </a:ln>
+        </p:spPr>
+        <p:style>
+          <a:lnRef idx="1">
+            <a:schemeClr val="accent1"/>
+          </a:lnRef>
+          <a:fillRef idx="0">
+            <a:schemeClr val="accent1"/>
+          </a:fillRef>
+          <a:effectRef idx="0">
+            <a:schemeClr val="accent1"/>
+          </a:effectRef>
+          <a:fontRef idx="minor">
+            <a:schemeClr val="tx1"/>
+          </a:fontRef>
+        </p:style>
+      </p:cxnSp>
     </p:spTree>
     <p:extLst>
       <p:ext uri="{BB962C8B-B14F-4D97-AF65-F5344CB8AC3E}">
@@ -3283,6 +3379,237 @@
   <p:clrMapOvr>
     <a:masterClrMapping/>
   </p:clrMapOvr>
+  <p:timing>
+    <p:tnLst>
+      <p:par>
+        <p:cTn id="1" dur="indefinite" restart="never" nodeType="tmRoot">
+          <p:childTnLst>
+            <p:seq concurrent="1" nextAc="seek">
+              <p:cTn id="2" dur="indefinite" nodeType="mainSeq">
+                <p:childTnLst>
+                  <p:par>
+                    <p:cTn id="3" fill="hold">
+                      <p:stCondLst>
+                        <p:cond delay="indefinite"/>
+                      </p:stCondLst>
+                      <p:childTnLst>
+                        <p:par>
+                          <p:cTn id="4" fill="hold">
+                            <p:stCondLst>
+                              <p:cond delay="0"/>
+                            </p:stCondLst>
+                            <p:childTnLst>
+                              <p:par>
+                                <p:cTn id="5" presetID="10" presetClass="entr" presetSubtype="0" fill="hold" grpId="0" nodeType="clickEffect">
+                                  <p:stCondLst>
+                                    <p:cond delay="0"/>
+                                  </p:stCondLst>
+                                  <p:childTnLst>
+                                    <p:set>
+                                      <p:cBhvr>
+                                        <p:cTn id="6" dur="1" fill="hold">
+                                          <p:stCondLst>
+                                            <p:cond delay="0"/>
+                                          </p:stCondLst>
+                                        </p:cTn>
+                                        <p:tgtEl>
+                                          <p:spTgt spid="5"/>
+                                        </p:tgtEl>
+                                        <p:attrNameLst>
+                                          <p:attrName>style.visibility</p:attrName>
+                                        </p:attrNameLst>
+                                      </p:cBhvr>
+                                      <p:to>
+                                        <p:strVal val="visible"/>
+                                      </p:to>
+                                    </p:set>
+                                    <p:animEffect transition="in" filter="fade">
+                                      <p:cBhvr>
+                                        <p:cTn id="7" dur="500"/>
+                                        <p:tgtEl>
+                                          <p:spTgt spid="5"/>
+                                        </p:tgtEl>
+                                      </p:cBhvr>
+                                    </p:animEffect>
+                                  </p:childTnLst>
+                                </p:cTn>
+                              </p:par>
+                            </p:childTnLst>
+                          </p:cTn>
+                        </p:par>
+                      </p:childTnLst>
+                    </p:cTn>
+                  </p:par>
+                  <p:par>
+                    <p:cTn id="8" fill="hold">
+                      <p:stCondLst>
+                        <p:cond delay="indefinite"/>
+                      </p:stCondLst>
+                      <p:childTnLst>
+                        <p:par>
+                          <p:cTn id="9" fill="hold">
+                            <p:stCondLst>
+                              <p:cond delay="0"/>
+                            </p:stCondLst>
+                            <p:childTnLst>
+                              <p:par>
+                                <p:cTn id="10" presetID="10" presetClass="entr" presetSubtype="0" fill="hold" grpId="0" nodeType="clickEffect">
+                                  <p:stCondLst>
+                                    <p:cond delay="0"/>
+                                  </p:stCondLst>
+                                  <p:childTnLst>
+                                    <p:set>
+                                      <p:cBhvr>
+                                        <p:cTn id="11" dur="1" fill="hold">
+                                          <p:stCondLst>
+                                            <p:cond delay="0"/>
+                                          </p:stCondLst>
+                                        </p:cTn>
+                                        <p:tgtEl>
+                                          <p:spTgt spid="8"/>
+                                        </p:tgtEl>
+                                        <p:attrNameLst>
+                                          <p:attrName>style.visibility</p:attrName>
+                                        </p:attrNameLst>
+                                      </p:cBhvr>
+                                      <p:to>
+                                        <p:strVal val="visible"/>
+                                      </p:to>
+                                    </p:set>
+                                    <p:animEffect transition="in" filter="fade">
+                                      <p:cBhvr>
+                                        <p:cTn id="12" dur="500"/>
+                                        <p:tgtEl>
+                                          <p:spTgt spid="8"/>
+                                        </p:tgtEl>
+                                      </p:cBhvr>
+                                    </p:animEffect>
+                                  </p:childTnLst>
+                                </p:cTn>
+                              </p:par>
+                            </p:childTnLst>
+                          </p:cTn>
+                        </p:par>
+                      </p:childTnLst>
+                    </p:cTn>
+                  </p:par>
+                  <p:par>
+                    <p:cTn id="13" fill="hold">
+                      <p:stCondLst>
+                        <p:cond delay="indefinite"/>
+                      </p:stCondLst>
+                      <p:childTnLst>
+                        <p:par>
+                          <p:cTn id="14" fill="hold">
+                            <p:stCondLst>
+                              <p:cond delay="0"/>
+                            </p:stCondLst>
+                            <p:childTnLst>
+                              <p:par>
+                                <p:cTn id="15" presetID="2" presetClass="entr" presetSubtype="1" fill="hold" nodeType="clickEffect">
+                                  <p:stCondLst>
+                                    <p:cond delay="0"/>
+                                  </p:stCondLst>
+                                  <p:childTnLst>
+                                    <p:set>
+                                      <p:cBhvr>
+                                        <p:cTn id="16" dur="1" fill="hold">
+                                          <p:stCondLst>
+                                            <p:cond delay="0"/>
+                                          </p:stCondLst>
+                                        </p:cTn>
+                                        <p:tgtEl>
+                                          <p:spTgt spid="9"/>
+                                        </p:tgtEl>
+                                        <p:attrNameLst>
+                                          <p:attrName>style.visibility</p:attrName>
+                                        </p:attrNameLst>
+                                      </p:cBhvr>
+                                      <p:to>
+                                        <p:strVal val="visible"/>
+                                      </p:to>
+                                    </p:set>
+                                    <p:anim calcmode="lin" valueType="num">
+                                      <p:cBhvr additive="base">
+                                        <p:cTn id="17" dur="500" fill="hold"/>
+                                        <p:tgtEl>
+                                          <p:spTgt spid="9"/>
+                                        </p:tgtEl>
+                                        <p:attrNameLst>
+                                          <p:attrName>ppt_x</p:attrName>
+                                        </p:attrNameLst>
+                                      </p:cBhvr>
+                                      <p:tavLst>
+                                        <p:tav tm="0">
+                                          <p:val>
+                                            <p:strVal val="#ppt_x"/>
+                                          </p:val>
+                                        </p:tav>
+                                        <p:tav tm="100000">
+                                          <p:val>
+                                            <p:strVal val="#ppt_x"/>
+                                          </p:val>
+                                        </p:tav>
+                                      </p:tavLst>
+                                    </p:anim>
+                                    <p:anim calcmode="lin" valueType="num">
+                                      <p:cBhvr additive="base">
+                                        <p:cTn id="18" dur="500" fill="hold"/>
+                                        <p:tgtEl>
+                                          <p:spTgt spid="9"/>
+                                        </p:tgtEl>
+                                        <p:attrNameLst>
+                                          <p:attrName>ppt_y</p:attrName>
+                                        </p:attrNameLst>
+                                      </p:cBhvr>
+                                      <p:tavLst>
+                                        <p:tav tm="0">
+                                          <p:val>
+                                            <p:strVal val="0-#ppt_h/2"/>
+                                          </p:val>
+                                        </p:tav>
+                                        <p:tav tm="100000">
+                                          <p:val>
+                                            <p:strVal val="#ppt_y"/>
+                                          </p:val>
+                                        </p:tav>
+                                      </p:tavLst>
+                                    </p:anim>
+                                  </p:childTnLst>
+                                </p:cTn>
+                              </p:par>
+                            </p:childTnLst>
+                          </p:cTn>
+                        </p:par>
+                      </p:childTnLst>
+                    </p:cTn>
+                  </p:par>
+                </p:childTnLst>
+              </p:cTn>
+              <p:prevCondLst>
+                <p:cond evt="onPrev" delay="0">
+                  <p:tgtEl>
+                    <p:sldTgt/>
+                  </p:tgtEl>
+                </p:cond>
+              </p:prevCondLst>
+              <p:nextCondLst>
+                <p:cond evt="onNext" delay="0">
+                  <p:tgtEl>
+                    <p:sldTgt/>
+                  </p:tgtEl>
+                </p:cond>
+              </p:nextCondLst>
+            </p:seq>
+          </p:childTnLst>
+        </p:cTn>
+      </p:par>
+    </p:tnLst>
+    <p:bldLst>
+      <p:bldP spid="5" grpId="0"/>
+      <p:bldP spid="8" grpId="0"/>
+    </p:bldLst>
+  </p:timing>
 </p:sld>
 </file>
 
@@ -3472,6 +3799,13 @@
   <p:clrMapOvr>
     <a:masterClrMapping/>
   </p:clrMapOvr>
+  <p:timing>
+    <p:tnLst>
+      <p:par>
+        <p:cTn id="1" dur="indefinite" restart="never" nodeType="tmRoot"/>
+      </p:par>
+    </p:tnLst>
+  </p:timing>
 </p:sld>
 </file>
 
@@ -3699,6 +4033,13 @@
   <p:clrMapOvr>
     <a:masterClrMapping/>
   </p:clrMapOvr>
+  <p:timing>
+    <p:tnLst>
+      <p:par>
+        <p:cTn id="1" dur="indefinite" restart="never" nodeType="tmRoot"/>
+      </p:par>
+    </p:tnLst>
+  </p:timing>
 </p:sld>
 </file>
 
@@ -3840,6 +4181,116 @@
 </file>
 
 <file path=ppt/slides/slide7.xml><?xml version="1.0" encoding="utf-8"?>
+<p:sld xmlns:a="http://schemas.openxmlformats.org/drawingml/2006/main" xmlns:r="http://schemas.openxmlformats.org/officeDocument/2006/relationships" xmlns:p="http://schemas.openxmlformats.org/presentationml/2006/main">
+  <p:cSld>
+    <p:spTree>
+      <p:nvGrpSpPr>
+        <p:cNvPr id="1" name=""/>
+        <p:cNvGrpSpPr/>
+        <p:nvPr/>
+      </p:nvGrpSpPr>
+      <p:grpSpPr>
+        <a:xfrm>
+          <a:off x="0" y="0"/>
+          <a:ext cx="0" cy="0"/>
+          <a:chOff x="0" y="0"/>
+          <a:chExt cx="0" cy="0"/>
+        </a:xfrm>
+      </p:grpSpPr>
+      <p:sp>
+        <p:nvSpPr>
+          <p:cNvPr id="3" name="标题 2"/>
+          <p:cNvSpPr>
+            <a:spLocks noGrp="1"/>
+          </p:cNvSpPr>
+          <p:nvPr>
+            <p:ph type="title"/>
+          </p:nvPr>
+        </p:nvSpPr>
+        <p:spPr/>
+        <p:txBody>
+          <a:bodyPr/>
+          <a:lstStyle/>
+          <a:p>
+            <a:r>
+              <a:rPr lang="zh-CN" altLang="en-US" dirty="0" smtClean="0"/>
+              <a:t>作业</a:t>
+            </a:r>
+            <a:endParaRPr lang="zh-CN" altLang="en-US" dirty="0"/>
+          </a:p>
+        </p:txBody>
+      </p:sp>
+      <p:sp>
+        <p:nvSpPr>
+          <p:cNvPr id="4" name="文本框 3"/>
+          <p:cNvSpPr txBox="1"/>
+          <p:nvPr/>
+        </p:nvSpPr>
+        <p:spPr>
+          <a:xfrm>
+            <a:off x="755576" y="2828836"/>
+            <a:ext cx="6192688" cy="1200329"/>
+          </a:xfrm>
+          <a:prstGeom prst="rect">
+            <a:avLst/>
+          </a:prstGeom>
+          <a:noFill/>
+        </p:spPr>
+        <p:txBody>
+          <a:bodyPr wrap="square" rtlCol="0">
+            <a:spAutoFit/>
+          </a:bodyPr>
+          <a:lstStyle/>
+          <a:p>
+            <a:r>
+              <a:rPr lang="zh-CN" altLang="en-US" sz="3600" dirty="0" smtClean="0">
+                <a:latin typeface="微软雅黑" panose="020B0503020204020204" pitchFamily="34" charset="-122"/>
+                <a:ea typeface="微软雅黑" panose="020B0503020204020204" pitchFamily="34" charset="-122"/>
+              </a:rPr>
+              <a:t>使用驾车导航，前往一个</a:t>
+            </a:r>
+            <a:r>
+              <a:rPr lang="en-US" altLang="zh-CN" sz="3600" dirty="0" err="1" smtClean="0">
+                <a:latin typeface="微软雅黑" panose="020B0503020204020204" pitchFamily="34" charset="-122"/>
+                <a:ea typeface="微软雅黑" panose="020B0503020204020204" pitchFamily="34" charset="-122"/>
+              </a:rPr>
+              <a:t>kfc</a:t>
+            </a:r>
+            <a:r>
+              <a:rPr lang="zh-CN" altLang="en-US" sz="3600" dirty="0" smtClean="0">
+                <a:latin typeface="微软雅黑" panose="020B0503020204020204" pitchFamily="34" charset="-122"/>
+                <a:ea typeface="微软雅黑" panose="020B0503020204020204" pitchFamily="34" charset="-122"/>
+              </a:rPr>
+              <a:t>，并显示出路径</a:t>
+            </a:r>
+            <a:endParaRPr lang="zh-CN" altLang="en-US" sz="3600" dirty="0">
+              <a:latin typeface="微软雅黑" panose="020B0503020204020204" pitchFamily="34" charset="-122"/>
+              <a:ea typeface="微软雅黑" panose="020B0503020204020204" pitchFamily="34" charset="-122"/>
+            </a:endParaRPr>
+          </a:p>
+        </p:txBody>
+      </p:sp>
+    </p:spTree>
+    <p:extLst>
+      <p:ext uri="{BB962C8B-B14F-4D97-AF65-F5344CB8AC3E}">
+        <p14:creationId xmlns:p14="http://schemas.microsoft.com/office/powerpoint/2010/main" val="2850459823"/>
+      </p:ext>
+    </p:extLst>
+  </p:cSld>
+  <p:clrMapOvr>
+    <a:masterClrMapping/>
+  </p:clrMapOvr>
+  <p:timing>
+    <p:tnLst>
+      <p:par>
+        <p:cTn id="1" dur="indefinite" restart="never" nodeType="tmRoot"/>
+      </p:par>
+    </p:tnLst>
+  </p:timing>
+</p:sld>
+</file>
+
+<file path=ppt/slides/slide8.xml><?xml version="1.0" encoding="utf-8"?>
 <p:sld xmlns:a="http://schemas.openxmlformats.org/drawingml/2006/main" xmlns:r="http://schemas.openxmlformats.org/officeDocument/2006/relationships" xmlns:p="http://schemas.openxmlformats.org/presentationml/2006/main">
   <p:cSld>
     <p:spTree>
